--- a/Netflix Dataset/Netflix_ppt.pptx
+++ b/Netflix Dataset/Netflix_ppt.pptx
@@ -7,6 +7,9 @@
   <p:sldIdLst>
     <p:sldId id="256" r:id="rId2"/>
     <p:sldId id="257" r:id="rId3"/>
+    <p:sldId id="258" r:id="rId4"/>
+    <p:sldId id="259" r:id="rId5"/>
+    <p:sldId id="260" r:id="rId6"/>
   </p:sldIdLst>
   <p:sldSz cx="12192000" cy="6858000"/>
   <p:notesSz cx="6858000" cy="9144000"/>
@@ -105,7 +108,20 @@
       </a:defRPr>
     </a:lvl9pPr>
   </p:defaultTextStyle>
+  <p:extLst>
+    <p:ext uri="{EFAFB233-063F-42B5-8137-9DF3F51BA10A}">
+      <p15:sldGuideLst xmlns:p15="http://schemas.microsoft.com/office/powerpoint/2012/main"/>
+    </p:ext>
+  </p:extLst>
 </p:presentation>
+</file>
+
+<file path=ppt/revisionInfo.xml><?xml version="1.0" encoding="utf-8"?>
+<p1510:revInfo xmlns:a="http://schemas.openxmlformats.org/drawingml/2006/main" xmlns:r="http://schemas.openxmlformats.org/officeDocument/2006/relationships" xmlns:p1510="http://schemas.microsoft.com/office/powerpoint/2015/10/main">
+  <p1510:revLst>
+    <p1510:client id="{A5A0EFF4-3D8E-40D5-8FC8-7B9066707773}" v="2" dt="2022-05-23T16:29:34.480"/>
+  </p1510:revLst>
+</p1510:revInfo>
 </file>
 
 <file path=ppt/slideLayouts/slideLayout1.xml><?xml version="1.0" encoding="utf-8"?>
@@ -3365,8 +3381,12 @@
           <a:lstStyle/>
           <a:p>
             <a:r>
+              <a:rPr lang="en-US"/>
+              <a:t>Netflix </a:t>
+            </a:r>
+            <a:r>
               <a:rPr lang="en-US" dirty="0"/>
-              <a:t>Netflix ppt</a:t>
+              <a:t>ppt</a:t>
             </a:r>
             <a:endParaRPr lang="en-ID" dirty="0"/>
           </a:p>
@@ -3474,7 +3494,9 @@
         </p:nvSpPr>
         <p:spPr/>
         <p:txBody>
-          <a:bodyPr/>
+          <a:bodyPr>
+            <a:normAutofit/>
+          </a:bodyPr>
           <a:lstStyle/>
           <a:p>
             <a:r>
@@ -3513,7 +3535,10 @@
               <a:rPr lang="en-US" dirty="0" err="1"/>
               <a:t>serires</a:t>
             </a:r>
-            <a:endParaRPr lang="en-US" dirty="0"/>
+            <a:r>
+              <a:rPr lang="en-US" dirty="0"/>
+              <a:t> v</a:t>
+            </a:r>
           </a:p>
           <a:p>
             <a:r>
@@ -3524,7 +3549,10 @@
               <a:rPr lang="en-US" dirty="0" err="1"/>
               <a:t>diretors</a:t>
             </a:r>
-            <a:endParaRPr lang="en-US" dirty="0"/>
+            <a:r>
+              <a:rPr lang="en-US" dirty="0"/>
+              <a:t> v</a:t>
+            </a:r>
           </a:p>
           <a:p>
             <a:r>
@@ -3539,7 +3567,13 @@
           <a:p>
             <a:r>
               <a:rPr lang="en-ID" dirty="0"/>
-              <a:t>Release year (line chart release date)</a:t>
+              <a:t>Mapping country on year basis</a:t>
+            </a:r>
+          </a:p>
+          <a:p>
+            <a:r>
+              <a:rPr lang="en-ID" dirty="0"/>
+              <a:t>Release year (line chart release date) </a:t>
             </a:r>
           </a:p>
           <a:p>
@@ -3595,7 +3629,10 @@
               <a:rPr lang="en-ID" dirty="0" err="1"/>
               <a:t>berapa</a:t>
             </a:r>
-            <a:endParaRPr lang="en-ID" dirty="0"/>
+            <a:r>
+              <a:rPr lang="en-ID" dirty="0"/>
+              <a:t> </a:t>
+            </a:r>
           </a:p>
           <a:p>
             <a:endParaRPr lang="en-US" dirty="0"/>
@@ -3606,6 +3643,379 @@
     <p:extLst>
       <p:ext uri="{BB962C8B-B14F-4D97-AF65-F5344CB8AC3E}">
         <p14:creationId xmlns:p14="http://schemas.microsoft.com/office/powerpoint/2010/main" val="1285610428"/>
+      </p:ext>
+    </p:extLst>
+  </p:cSld>
+  <p:clrMapOvr>
+    <a:masterClrMapping/>
+  </p:clrMapOvr>
+</p:sld>
+</file>
+
+<file path=ppt/slides/slide3.xml><?xml version="1.0" encoding="utf-8"?>
+<p:sld xmlns:a="http://schemas.openxmlformats.org/drawingml/2006/main" xmlns:r="http://schemas.openxmlformats.org/officeDocument/2006/relationships" xmlns:p="http://schemas.openxmlformats.org/presentationml/2006/main">
+  <p:cSld>
+    <p:spTree>
+      <p:nvGrpSpPr>
+        <p:cNvPr id="1" name=""/>
+        <p:cNvGrpSpPr/>
+        <p:nvPr/>
+      </p:nvGrpSpPr>
+      <p:grpSpPr>
+        <a:xfrm>
+          <a:off x="0" y="0"/>
+          <a:ext cx="0" cy="0"/>
+          <a:chOff x="0" y="0"/>
+          <a:chExt cx="0" cy="0"/>
+        </a:xfrm>
+      </p:grpSpPr>
+      <p:sp>
+        <p:nvSpPr>
+          <p:cNvPr id="2" name="Title 1">
+            <a:extLst>
+              <a:ext uri="{FF2B5EF4-FFF2-40B4-BE49-F238E27FC236}">
+                <a16:creationId xmlns:a16="http://schemas.microsoft.com/office/drawing/2014/main" id="{0F5AC9D2-B2F8-BBA9-A244-9A9235D31B3D}"/>
+              </a:ext>
+            </a:extLst>
+          </p:cNvPr>
+          <p:cNvSpPr>
+            <a:spLocks noGrp="1"/>
+          </p:cNvSpPr>
+          <p:nvPr>
+            <p:ph type="title"/>
+          </p:nvPr>
+        </p:nvSpPr>
+        <p:spPr/>
+        <p:txBody>
+          <a:bodyPr/>
+          <a:lstStyle/>
+          <a:p>
+            <a:r>
+              <a:rPr lang="en-US" dirty="0"/>
+              <a:t>Out of 8807 contents Netflix published there ate</a:t>
+            </a:r>
+            <a:endParaRPr lang="en-ID" dirty="0"/>
+          </a:p>
+        </p:txBody>
+      </p:sp>
+      <p:sp>
+        <p:nvSpPr>
+          <p:cNvPr id="3" name="Content Placeholder 2">
+            <a:extLst>
+              <a:ext uri="{FF2B5EF4-FFF2-40B4-BE49-F238E27FC236}">
+                <a16:creationId xmlns:a16="http://schemas.microsoft.com/office/drawing/2014/main" id="{3218CC3B-6B90-2628-76DD-A0874339105A}"/>
+              </a:ext>
+            </a:extLst>
+          </p:cNvPr>
+          <p:cNvSpPr>
+            <a:spLocks noGrp="1"/>
+          </p:cNvSpPr>
+          <p:nvPr>
+            <p:ph idx="1"/>
+          </p:nvPr>
+        </p:nvSpPr>
+        <p:spPr/>
+        <p:txBody>
+          <a:bodyPr/>
+          <a:lstStyle/>
+          <a:p>
+            <a:r>
+              <a:rPr lang="en-US" dirty="0"/>
+              <a:t>6131 movie</a:t>
+            </a:r>
+          </a:p>
+          <a:p>
+            <a:r>
+              <a:rPr lang="en-US" dirty="0"/>
+              <a:t>2676 </a:t>
+            </a:r>
+            <a:r>
+              <a:rPr lang="en-US" dirty="0" err="1"/>
+              <a:t>tvshow</a:t>
+            </a:r>
+            <a:endParaRPr lang="en-ID" dirty="0"/>
+          </a:p>
+        </p:txBody>
+      </p:sp>
+    </p:spTree>
+    <p:extLst>
+      <p:ext uri="{BB962C8B-B14F-4D97-AF65-F5344CB8AC3E}">
+        <p14:creationId xmlns:p14="http://schemas.microsoft.com/office/powerpoint/2010/main" val="1480796135"/>
+      </p:ext>
+    </p:extLst>
+  </p:cSld>
+  <p:clrMapOvr>
+    <a:masterClrMapping/>
+  </p:clrMapOvr>
+</p:sld>
+</file>
+
+<file path=ppt/slides/slide4.xml><?xml version="1.0" encoding="utf-8"?>
+<p:sld xmlns:a="http://schemas.openxmlformats.org/drawingml/2006/main" xmlns:r="http://schemas.openxmlformats.org/officeDocument/2006/relationships" xmlns:p="http://schemas.openxmlformats.org/presentationml/2006/main">
+  <p:cSld>
+    <p:spTree>
+      <p:nvGrpSpPr>
+        <p:cNvPr id="1" name=""/>
+        <p:cNvGrpSpPr/>
+        <p:nvPr/>
+      </p:nvGrpSpPr>
+      <p:grpSpPr>
+        <a:xfrm>
+          <a:off x="0" y="0"/>
+          <a:ext cx="0" cy="0"/>
+          <a:chOff x="0" y="0"/>
+          <a:chExt cx="0" cy="0"/>
+        </a:xfrm>
+      </p:grpSpPr>
+      <p:sp>
+        <p:nvSpPr>
+          <p:cNvPr id="2" name="Title 1">
+            <a:extLst>
+              <a:ext uri="{FF2B5EF4-FFF2-40B4-BE49-F238E27FC236}">
+                <a16:creationId xmlns:a16="http://schemas.microsoft.com/office/drawing/2014/main" id="{9A726D69-2606-6166-195B-03E2A1D92CC2}"/>
+              </a:ext>
+            </a:extLst>
+          </p:cNvPr>
+          <p:cNvSpPr>
+            <a:spLocks noGrp="1"/>
+          </p:cNvSpPr>
+          <p:nvPr>
+            <p:ph type="title"/>
+          </p:nvPr>
+        </p:nvSpPr>
+        <p:spPr/>
+        <p:txBody>
+          <a:bodyPr/>
+          <a:lstStyle/>
+          <a:p>
+            <a:r>
+              <a:rPr lang="en-US" dirty="0"/>
+              <a:t>List of directors m</a:t>
+            </a:r>
+            <a:endParaRPr lang="en-ID" dirty="0"/>
+          </a:p>
+        </p:txBody>
+      </p:sp>
+      <p:pic>
+        <p:nvPicPr>
+          <p:cNvPr id="7" name="Picture 6">
+            <a:extLst>
+              <a:ext uri="{FF2B5EF4-FFF2-40B4-BE49-F238E27FC236}">
+                <a16:creationId xmlns:a16="http://schemas.microsoft.com/office/drawing/2014/main" id="{E7F245CF-9A90-0AC7-142A-24EC7CD938CA}"/>
+              </a:ext>
+            </a:extLst>
+          </p:cNvPr>
+          <p:cNvPicPr>
+            <a:picLocks noChangeAspect="1"/>
+          </p:cNvPicPr>
+          <p:nvPr/>
+        </p:nvPicPr>
+        <p:blipFill>
+          <a:blip r:embed="rId2"/>
+          <a:stretch>
+            <a:fillRect/>
+          </a:stretch>
+        </p:blipFill>
+        <p:spPr>
+          <a:xfrm>
+            <a:off x="437177" y="2261185"/>
+            <a:ext cx="2600688" cy="3496163"/>
+          </a:xfrm>
+          <a:prstGeom prst="rect">
+            <a:avLst/>
+          </a:prstGeom>
+        </p:spPr>
+      </p:pic>
+      <p:sp>
+        <p:nvSpPr>
+          <p:cNvPr id="8" name="TextBox 7">
+            <a:extLst>
+              <a:ext uri="{FF2B5EF4-FFF2-40B4-BE49-F238E27FC236}">
+                <a16:creationId xmlns:a16="http://schemas.microsoft.com/office/drawing/2014/main" id="{541C65AC-04AA-1DF0-200C-E7E138F057CC}"/>
+              </a:ext>
+            </a:extLst>
+          </p:cNvPr>
+          <p:cNvSpPr txBox="1"/>
+          <p:nvPr/>
+        </p:nvSpPr>
+        <p:spPr>
+          <a:xfrm>
+            <a:off x="1438275" y="1828800"/>
+            <a:ext cx="1304925" cy="369332"/>
+          </a:xfrm>
+          <a:prstGeom prst="rect">
+            <a:avLst/>
+          </a:prstGeom>
+          <a:noFill/>
+        </p:spPr>
+        <p:txBody>
+          <a:bodyPr wrap="square" rtlCol="0">
+            <a:spAutoFit/>
+          </a:bodyPr>
+          <a:lstStyle/>
+          <a:p>
+            <a:r>
+              <a:rPr lang="en-US" dirty="0"/>
+              <a:t>movie</a:t>
+            </a:r>
+            <a:endParaRPr lang="en-ID" dirty="0"/>
+          </a:p>
+        </p:txBody>
+      </p:sp>
+      <p:pic>
+        <p:nvPicPr>
+          <p:cNvPr id="10" name="Picture 9">
+            <a:extLst>
+              <a:ext uri="{FF2B5EF4-FFF2-40B4-BE49-F238E27FC236}">
+                <a16:creationId xmlns:a16="http://schemas.microsoft.com/office/drawing/2014/main" id="{FDA624C6-91EE-9944-F1F9-28076BE16599}"/>
+              </a:ext>
+            </a:extLst>
+          </p:cNvPr>
+          <p:cNvPicPr>
+            <a:picLocks noChangeAspect="1"/>
+          </p:cNvPicPr>
+          <p:nvPr/>
+        </p:nvPicPr>
+        <p:blipFill>
+          <a:blip r:embed="rId3"/>
+          <a:stretch>
+            <a:fillRect/>
+          </a:stretch>
+        </p:blipFill>
+        <p:spPr>
+          <a:xfrm>
+            <a:off x="3619274" y="2198132"/>
+            <a:ext cx="8478433" cy="1448002"/>
+          </a:xfrm>
+          <a:prstGeom prst="rect">
+            <a:avLst/>
+          </a:prstGeom>
+        </p:spPr>
+      </p:pic>
+      <p:sp>
+        <p:nvSpPr>
+          <p:cNvPr id="13" name="TextBox 12">
+            <a:extLst>
+              <a:ext uri="{FF2B5EF4-FFF2-40B4-BE49-F238E27FC236}">
+                <a16:creationId xmlns:a16="http://schemas.microsoft.com/office/drawing/2014/main" id="{62363E5D-27DD-6DA0-76A3-830D03657E63}"/>
+              </a:ext>
+            </a:extLst>
+          </p:cNvPr>
+          <p:cNvSpPr txBox="1"/>
+          <p:nvPr/>
+        </p:nvSpPr>
+        <p:spPr>
+          <a:xfrm>
+            <a:off x="5038725" y="1759744"/>
+            <a:ext cx="1304925" cy="369332"/>
+          </a:xfrm>
+          <a:prstGeom prst="rect">
+            <a:avLst/>
+          </a:prstGeom>
+          <a:noFill/>
+        </p:spPr>
+        <p:txBody>
+          <a:bodyPr wrap="square" rtlCol="0">
+            <a:spAutoFit/>
+          </a:bodyPr>
+          <a:lstStyle/>
+          <a:p>
+            <a:r>
+              <a:rPr lang="en-US" dirty="0"/>
+              <a:t>TV show</a:t>
+            </a:r>
+            <a:endParaRPr lang="en-ID" dirty="0"/>
+          </a:p>
+        </p:txBody>
+      </p:sp>
+    </p:spTree>
+    <p:extLst>
+      <p:ext uri="{BB962C8B-B14F-4D97-AF65-F5344CB8AC3E}">
+        <p14:creationId xmlns:p14="http://schemas.microsoft.com/office/powerpoint/2010/main" val="1392142953"/>
+      </p:ext>
+    </p:extLst>
+  </p:cSld>
+  <p:clrMapOvr>
+    <a:masterClrMapping/>
+  </p:clrMapOvr>
+</p:sld>
+</file>
+
+<file path=ppt/slides/slide5.xml><?xml version="1.0" encoding="utf-8"?>
+<p:sld xmlns:a="http://schemas.openxmlformats.org/drawingml/2006/main" xmlns:r="http://schemas.openxmlformats.org/officeDocument/2006/relationships" xmlns:p="http://schemas.openxmlformats.org/presentationml/2006/main">
+  <p:cSld>
+    <p:spTree>
+      <p:nvGrpSpPr>
+        <p:cNvPr id="1" name=""/>
+        <p:cNvGrpSpPr/>
+        <p:nvPr/>
+      </p:nvGrpSpPr>
+      <p:grpSpPr>
+        <a:xfrm>
+          <a:off x="0" y="0"/>
+          <a:ext cx="0" cy="0"/>
+          <a:chOff x="0" y="0"/>
+          <a:chExt cx="0" cy="0"/>
+        </a:xfrm>
+      </p:grpSpPr>
+      <p:sp>
+        <p:nvSpPr>
+          <p:cNvPr id="2" name="Title 1">
+            <a:extLst>
+              <a:ext uri="{FF2B5EF4-FFF2-40B4-BE49-F238E27FC236}">
+                <a16:creationId xmlns:a16="http://schemas.microsoft.com/office/drawing/2014/main" id="{00E9EFE0-AE2F-58E3-AE72-A4A7E1A92807}"/>
+              </a:ext>
+            </a:extLst>
+          </p:cNvPr>
+          <p:cNvSpPr>
+            <a:spLocks noGrp="1"/>
+          </p:cNvSpPr>
+          <p:nvPr>
+            <p:ph type="title"/>
+          </p:nvPr>
+        </p:nvSpPr>
+        <p:spPr/>
+        <p:txBody>
+          <a:bodyPr/>
+          <a:lstStyle/>
+          <a:p>
+            <a:r>
+              <a:rPr lang="en-US" dirty="0"/>
+              <a:t>Mapping country</a:t>
+            </a:r>
+            <a:endParaRPr lang="en-ID" dirty="0"/>
+          </a:p>
+        </p:txBody>
+      </p:sp>
+      <p:sp>
+        <p:nvSpPr>
+          <p:cNvPr id="3" name="Content Placeholder 2">
+            <a:extLst>
+              <a:ext uri="{FF2B5EF4-FFF2-40B4-BE49-F238E27FC236}">
+                <a16:creationId xmlns:a16="http://schemas.microsoft.com/office/drawing/2014/main" id="{E11B7C3D-D613-6793-0D12-0E90C8D55511}"/>
+              </a:ext>
+            </a:extLst>
+          </p:cNvPr>
+          <p:cNvSpPr>
+            <a:spLocks noGrp="1"/>
+          </p:cNvSpPr>
+          <p:nvPr>
+            <p:ph idx="1"/>
+          </p:nvPr>
+        </p:nvSpPr>
+        <p:spPr/>
+        <p:txBody>
+          <a:bodyPr/>
+          <a:lstStyle/>
+          <a:p>
+            <a:endParaRPr lang="en-ID"/>
+          </a:p>
+        </p:txBody>
+      </p:sp>
+    </p:spTree>
+    <p:extLst>
+      <p:ext uri="{BB962C8B-B14F-4D97-AF65-F5344CB8AC3E}">
+        <p14:creationId xmlns:p14="http://schemas.microsoft.com/office/powerpoint/2010/main" val="353911512"/>
       </p:ext>
     </p:extLst>
   </p:cSld>
